--- a/ppt 16-9/0723.求主长在我身.pptx
+++ b/ppt 16-9/0723.求主长在我身.pptx
@@ -129,7 +129,7 @@
           <p:cNvPr id="2" name="标题 1">
             <a:extLst>
               <a:ext uri="{FF2B5EF4-FFF2-40B4-BE49-F238E27FC236}">
-                <a16:creationId xmlns:a16="http://schemas.microsoft.com/office/drawing/2014/main" id="{ADD9ACA2-5AF0-E805-02F9-06026AC16536}"/>
+                <a16:creationId xmlns:a16="http://schemas.microsoft.com/office/drawing/2014/main" id="{2D8B8F31-2C4E-F00C-4A00-B4C2122A338A}"/>
               </a:ext>
             </a:extLst>
           </p:cNvPr>
@@ -166,7 +166,7 @@
           <p:cNvPr id="3" name="副标题 2">
             <a:extLst>
               <a:ext uri="{FF2B5EF4-FFF2-40B4-BE49-F238E27FC236}">
-                <a16:creationId xmlns:a16="http://schemas.microsoft.com/office/drawing/2014/main" id="{AF3BB635-E1D3-D617-276E-0725125903E0}"/>
+                <a16:creationId xmlns:a16="http://schemas.microsoft.com/office/drawing/2014/main" id="{6194A8CA-55E5-DFF3-A766-AC73E8576774}"/>
               </a:ext>
             </a:extLst>
           </p:cNvPr>
@@ -236,7 +236,7 @@
           <p:cNvPr id="4" name="日期占位符 3">
             <a:extLst>
               <a:ext uri="{FF2B5EF4-FFF2-40B4-BE49-F238E27FC236}">
-                <a16:creationId xmlns:a16="http://schemas.microsoft.com/office/drawing/2014/main" id="{E870F94A-FC2C-B0C1-4B72-F0E63C08B088}"/>
+                <a16:creationId xmlns:a16="http://schemas.microsoft.com/office/drawing/2014/main" id="{C70221CF-764D-A3F8-4EEE-AD5CAE3AAA5D}"/>
               </a:ext>
             </a:extLst>
           </p:cNvPr>
@@ -252,7 +252,7 @@
           <a:bodyPr/>
           <a:lstStyle/>
           <a:p>
-            <a:fld id="{04E7E170-7155-46D4-B889-9C41D3B3B03C}" type="datetimeFigureOut">
+            <a:fld id="{F4AAA24B-EBEA-42F3-B56D-B6B9BBB07F4F}" type="datetimeFigureOut">
               <a:rPr lang="zh-CN" altLang="en-US" smtClean="0"/>
               <a:t>2024/3/10</a:t>
             </a:fld>
@@ -265,7 +265,7 @@
           <p:cNvPr id="5" name="页脚占位符 4">
             <a:extLst>
               <a:ext uri="{FF2B5EF4-FFF2-40B4-BE49-F238E27FC236}">
-                <a16:creationId xmlns:a16="http://schemas.microsoft.com/office/drawing/2014/main" id="{A718FCA0-AB0B-7852-72C4-C36F92508C50}"/>
+                <a16:creationId xmlns:a16="http://schemas.microsoft.com/office/drawing/2014/main" id="{4F24A260-AC50-8E31-6DE0-4B0672E266FE}"/>
               </a:ext>
             </a:extLst>
           </p:cNvPr>
@@ -290,7 +290,7 @@
           <p:cNvPr id="6" name="灯片编号占位符 5">
             <a:extLst>
               <a:ext uri="{FF2B5EF4-FFF2-40B4-BE49-F238E27FC236}">
-                <a16:creationId xmlns:a16="http://schemas.microsoft.com/office/drawing/2014/main" id="{AF57D69C-D3A0-9AD6-0D13-AF60D7AD34B7}"/>
+                <a16:creationId xmlns:a16="http://schemas.microsoft.com/office/drawing/2014/main" id="{84F64F99-2836-4CB7-81B5-1686E11FB797}"/>
               </a:ext>
             </a:extLst>
           </p:cNvPr>
@@ -306,7 +306,7 @@
           <a:bodyPr/>
           <a:lstStyle/>
           <a:p>
-            <a:fld id="{7E04D3AE-D0EE-4BEC-B723-D3C2525BE820}" type="slidenum">
+            <a:fld id="{E8A6BDF5-42A4-400E-91E4-A4EED27D3FFF}" type="slidenum">
               <a:rPr lang="zh-CN" altLang="en-US" smtClean="0"/>
               <a:t>‹#›</a:t>
             </a:fld>
@@ -317,7 +317,7 @@
     </p:spTree>
     <p:extLst>
       <p:ext uri="{BB962C8B-B14F-4D97-AF65-F5344CB8AC3E}">
-        <p14:creationId xmlns:p14="http://schemas.microsoft.com/office/powerpoint/2010/main" val="3033854149"/>
+        <p14:creationId xmlns:p14="http://schemas.microsoft.com/office/powerpoint/2010/main" val="95414372"/>
       </p:ext>
     </p:extLst>
   </p:cSld>
@@ -349,7 +349,7 @@
           <p:cNvPr id="2" name="标题 1">
             <a:extLst>
               <a:ext uri="{FF2B5EF4-FFF2-40B4-BE49-F238E27FC236}">
-                <a16:creationId xmlns:a16="http://schemas.microsoft.com/office/drawing/2014/main" id="{63612CE0-567C-8E20-668C-62FFAF90AE83}"/>
+                <a16:creationId xmlns:a16="http://schemas.microsoft.com/office/drawing/2014/main" id="{2017CC1B-2AE1-DAD0-807A-923313E606C4}"/>
               </a:ext>
             </a:extLst>
           </p:cNvPr>
@@ -377,7 +377,7 @@
           <p:cNvPr id="3" name="竖排文字占位符 2">
             <a:extLst>
               <a:ext uri="{FF2B5EF4-FFF2-40B4-BE49-F238E27FC236}">
-                <a16:creationId xmlns:a16="http://schemas.microsoft.com/office/drawing/2014/main" id="{51A9F52D-936B-397C-F602-5E0E4552FA2F}"/>
+                <a16:creationId xmlns:a16="http://schemas.microsoft.com/office/drawing/2014/main" id="{A6746E00-A988-3A94-5157-DBC4A1693D7F}"/>
               </a:ext>
             </a:extLst>
           </p:cNvPr>
@@ -434,7 +434,7 @@
           <p:cNvPr id="4" name="日期占位符 3">
             <a:extLst>
               <a:ext uri="{FF2B5EF4-FFF2-40B4-BE49-F238E27FC236}">
-                <a16:creationId xmlns:a16="http://schemas.microsoft.com/office/drawing/2014/main" id="{335C18E1-6DA1-2D7B-2043-3FB445870B29}"/>
+                <a16:creationId xmlns:a16="http://schemas.microsoft.com/office/drawing/2014/main" id="{573D6A1A-264C-2764-8916-3EDE62C6212D}"/>
               </a:ext>
             </a:extLst>
           </p:cNvPr>
@@ -450,7 +450,7 @@
           <a:bodyPr/>
           <a:lstStyle/>
           <a:p>
-            <a:fld id="{04E7E170-7155-46D4-B889-9C41D3B3B03C}" type="datetimeFigureOut">
+            <a:fld id="{F4AAA24B-EBEA-42F3-B56D-B6B9BBB07F4F}" type="datetimeFigureOut">
               <a:rPr lang="zh-CN" altLang="en-US" smtClean="0"/>
               <a:t>2024/3/10</a:t>
             </a:fld>
@@ -463,7 +463,7 @@
           <p:cNvPr id="5" name="页脚占位符 4">
             <a:extLst>
               <a:ext uri="{FF2B5EF4-FFF2-40B4-BE49-F238E27FC236}">
-                <a16:creationId xmlns:a16="http://schemas.microsoft.com/office/drawing/2014/main" id="{D3C3A500-4C92-5C8A-5CFF-5598931E05ED}"/>
+                <a16:creationId xmlns:a16="http://schemas.microsoft.com/office/drawing/2014/main" id="{86AED9CE-0BD7-3724-FE35-257B1E3EAC5A}"/>
               </a:ext>
             </a:extLst>
           </p:cNvPr>
@@ -488,7 +488,7 @@
           <p:cNvPr id="6" name="灯片编号占位符 5">
             <a:extLst>
               <a:ext uri="{FF2B5EF4-FFF2-40B4-BE49-F238E27FC236}">
-                <a16:creationId xmlns:a16="http://schemas.microsoft.com/office/drawing/2014/main" id="{CE589915-120F-2659-25A3-8B77C9C42349}"/>
+                <a16:creationId xmlns:a16="http://schemas.microsoft.com/office/drawing/2014/main" id="{EE38AE81-66B6-3AB9-85EB-74F1101DDC71}"/>
               </a:ext>
             </a:extLst>
           </p:cNvPr>
@@ -504,7 +504,7 @@
           <a:bodyPr/>
           <a:lstStyle/>
           <a:p>
-            <a:fld id="{7E04D3AE-D0EE-4BEC-B723-D3C2525BE820}" type="slidenum">
+            <a:fld id="{E8A6BDF5-42A4-400E-91E4-A4EED27D3FFF}" type="slidenum">
               <a:rPr lang="zh-CN" altLang="en-US" smtClean="0"/>
               <a:t>‹#›</a:t>
             </a:fld>
@@ -515,7 +515,7 @@
     </p:spTree>
     <p:extLst>
       <p:ext uri="{BB962C8B-B14F-4D97-AF65-F5344CB8AC3E}">
-        <p14:creationId xmlns:p14="http://schemas.microsoft.com/office/powerpoint/2010/main" val="1869504527"/>
+        <p14:creationId xmlns:p14="http://schemas.microsoft.com/office/powerpoint/2010/main" val="4075941558"/>
       </p:ext>
     </p:extLst>
   </p:cSld>
@@ -547,7 +547,7 @@
           <p:cNvPr id="2" name="竖排标题 1">
             <a:extLst>
               <a:ext uri="{FF2B5EF4-FFF2-40B4-BE49-F238E27FC236}">
-                <a16:creationId xmlns:a16="http://schemas.microsoft.com/office/drawing/2014/main" id="{002D79AB-CED3-0B06-72B6-28D54208216B}"/>
+                <a16:creationId xmlns:a16="http://schemas.microsoft.com/office/drawing/2014/main" id="{A87AE47D-D36D-0C68-5AB6-7E89BA121017}"/>
               </a:ext>
             </a:extLst>
           </p:cNvPr>
@@ -580,7 +580,7 @@
           <p:cNvPr id="3" name="竖排文字占位符 2">
             <a:extLst>
               <a:ext uri="{FF2B5EF4-FFF2-40B4-BE49-F238E27FC236}">
-                <a16:creationId xmlns:a16="http://schemas.microsoft.com/office/drawing/2014/main" id="{9795FA58-2E2F-4D36-5A07-11C61F1FD157}"/>
+                <a16:creationId xmlns:a16="http://schemas.microsoft.com/office/drawing/2014/main" id="{247BEBB1-F28A-5249-3D3E-5F4FC4D21C9B}"/>
               </a:ext>
             </a:extLst>
           </p:cNvPr>
@@ -642,7 +642,7 @@
           <p:cNvPr id="4" name="日期占位符 3">
             <a:extLst>
               <a:ext uri="{FF2B5EF4-FFF2-40B4-BE49-F238E27FC236}">
-                <a16:creationId xmlns:a16="http://schemas.microsoft.com/office/drawing/2014/main" id="{064751C3-C7D2-ED96-0407-F0343A163AC5}"/>
+                <a16:creationId xmlns:a16="http://schemas.microsoft.com/office/drawing/2014/main" id="{A2F39A30-6151-74BC-8E5F-64A4F43076AE}"/>
               </a:ext>
             </a:extLst>
           </p:cNvPr>
@@ -658,7 +658,7 @@
           <a:bodyPr/>
           <a:lstStyle/>
           <a:p>
-            <a:fld id="{04E7E170-7155-46D4-B889-9C41D3B3B03C}" type="datetimeFigureOut">
+            <a:fld id="{F4AAA24B-EBEA-42F3-B56D-B6B9BBB07F4F}" type="datetimeFigureOut">
               <a:rPr lang="zh-CN" altLang="en-US" smtClean="0"/>
               <a:t>2024/3/10</a:t>
             </a:fld>
@@ -671,7 +671,7 @@
           <p:cNvPr id="5" name="页脚占位符 4">
             <a:extLst>
               <a:ext uri="{FF2B5EF4-FFF2-40B4-BE49-F238E27FC236}">
-                <a16:creationId xmlns:a16="http://schemas.microsoft.com/office/drawing/2014/main" id="{7342E245-6E60-FA00-10D3-6494EC7B1FA0}"/>
+                <a16:creationId xmlns:a16="http://schemas.microsoft.com/office/drawing/2014/main" id="{E1E56608-AF83-E9A4-1E63-67E6CBCD5760}"/>
               </a:ext>
             </a:extLst>
           </p:cNvPr>
@@ -696,7 +696,7 @@
           <p:cNvPr id="6" name="灯片编号占位符 5">
             <a:extLst>
               <a:ext uri="{FF2B5EF4-FFF2-40B4-BE49-F238E27FC236}">
-                <a16:creationId xmlns:a16="http://schemas.microsoft.com/office/drawing/2014/main" id="{DDEE6130-4A0C-6725-D171-53602A947345}"/>
+                <a16:creationId xmlns:a16="http://schemas.microsoft.com/office/drawing/2014/main" id="{7D6C23F4-7193-8CF7-A4A5-DC2CA27C6E5B}"/>
               </a:ext>
             </a:extLst>
           </p:cNvPr>
@@ -712,7 +712,7 @@
           <a:bodyPr/>
           <a:lstStyle/>
           <a:p>
-            <a:fld id="{7E04D3AE-D0EE-4BEC-B723-D3C2525BE820}" type="slidenum">
+            <a:fld id="{E8A6BDF5-42A4-400E-91E4-A4EED27D3FFF}" type="slidenum">
               <a:rPr lang="zh-CN" altLang="en-US" smtClean="0"/>
               <a:t>‹#›</a:t>
             </a:fld>
@@ -723,7 +723,7 @@
     </p:spTree>
     <p:extLst>
       <p:ext uri="{BB962C8B-B14F-4D97-AF65-F5344CB8AC3E}">
-        <p14:creationId xmlns:p14="http://schemas.microsoft.com/office/powerpoint/2010/main" val="3860853763"/>
+        <p14:creationId xmlns:p14="http://schemas.microsoft.com/office/powerpoint/2010/main" val="2727453273"/>
       </p:ext>
     </p:extLst>
   </p:cSld>
@@ -755,7 +755,7 @@
           <p:cNvPr id="2" name="标题 1">
             <a:extLst>
               <a:ext uri="{FF2B5EF4-FFF2-40B4-BE49-F238E27FC236}">
-                <a16:creationId xmlns:a16="http://schemas.microsoft.com/office/drawing/2014/main" id="{071A1C5B-7B9C-4BE6-09FE-9FB474F75703}"/>
+                <a16:creationId xmlns:a16="http://schemas.microsoft.com/office/drawing/2014/main" id="{BA7D743A-6E8D-61C3-B57C-974F144837A4}"/>
               </a:ext>
             </a:extLst>
           </p:cNvPr>
@@ -783,7 +783,7 @@
           <p:cNvPr id="3" name="内容占位符 2">
             <a:extLst>
               <a:ext uri="{FF2B5EF4-FFF2-40B4-BE49-F238E27FC236}">
-                <a16:creationId xmlns:a16="http://schemas.microsoft.com/office/drawing/2014/main" id="{A766194D-FDF7-E715-13D5-164CB82CA17E}"/>
+                <a16:creationId xmlns:a16="http://schemas.microsoft.com/office/drawing/2014/main" id="{9F75CE35-CD42-EE94-EC19-123699F2E396}"/>
               </a:ext>
             </a:extLst>
           </p:cNvPr>
@@ -840,7 +840,7 @@
           <p:cNvPr id="4" name="日期占位符 3">
             <a:extLst>
               <a:ext uri="{FF2B5EF4-FFF2-40B4-BE49-F238E27FC236}">
-                <a16:creationId xmlns:a16="http://schemas.microsoft.com/office/drawing/2014/main" id="{64C5E9AC-BE85-366A-8EB1-D95C71728AB0}"/>
+                <a16:creationId xmlns:a16="http://schemas.microsoft.com/office/drawing/2014/main" id="{02FF9D44-00E5-C279-6CD5-A79B9D377AA9}"/>
               </a:ext>
             </a:extLst>
           </p:cNvPr>
@@ -856,7 +856,7 @@
           <a:bodyPr/>
           <a:lstStyle/>
           <a:p>
-            <a:fld id="{04E7E170-7155-46D4-B889-9C41D3B3B03C}" type="datetimeFigureOut">
+            <a:fld id="{F4AAA24B-EBEA-42F3-B56D-B6B9BBB07F4F}" type="datetimeFigureOut">
               <a:rPr lang="zh-CN" altLang="en-US" smtClean="0"/>
               <a:t>2024/3/10</a:t>
             </a:fld>
@@ -869,7 +869,7 @@
           <p:cNvPr id="5" name="页脚占位符 4">
             <a:extLst>
               <a:ext uri="{FF2B5EF4-FFF2-40B4-BE49-F238E27FC236}">
-                <a16:creationId xmlns:a16="http://schemas.microsoft.com/office/drawing/2014/main" id="{CEC3B03F-BFB0-84FC-73BA-6E6F30493503}"/>
+                <a16:creationId xmlns:a16="http://schemas.microsoft.com/office/drawing/2014/main" id="{627C1A57-8FE7-C9CE-BE2D-E1693E427061}"/>
               </a:ext>
             </a:extLst>
           </p:cNvPr>
@@ -894,7 +894,7 @@
           <p:cNvPr id="6" name="灯片编号占位符 5">
             <a:extLst>
               <a:ext uri="{FF2B5EF4-FFF2-40B4-BE49-F238E27FC236}">
-                <a16:creationId xmlns:a16="http://schemas.microsoft.com/office/drawing/2014/main" id="{504F9994-9A3D-7137-980D-8A2122E3B865}"/>
+                <a16:creationId xmlns:a16="http://schemas.microsoft.com/office/drawing/2014/main" id="{2B110815-CAB1-43D8-FD6E-BE7D337F4BB8}"/>
               </a:ext>
             </a:extLst>
           </p:cNvPr>
@@ -910,7 +910,7 @@
           <a:bodyPr/>
           <a:lstStyle/>
           <a:p>
-            <a:fld id="{7E04D3AE-D0EE-4BEC-B723-D3C2525BE820}" type="slidenum">
+            <a:fld id="{E8A6BDF5-42A4-400E-91E4-A4EED27D3FFF}" type="slidenum">
               <a:rPr lang="zh-CN" altLang="en-US" smtClean="0"/>
               <a:t>‹#›</a:t>
             </a:fld>
@@ -921,7 +921,7 @@
     </p:spTree>
     <p:extLst>
       <p:ext uri="{BB962C8B-B14F-4D97-AF65-F5344CB8AC3E}">
-        <p14:creationId xmlns:p14="http://schemas.microsoft.com/office/powerpoint/2010/main" val="587572161"/>
+        <p14:creationId xmlns:p14="http://schemas.microsoft.com/office/powerpoint/2010/main" val="3293687325"/>
       </p:ext>
     </p:extLst>
   </p:cSld>
@@ -953,7 +953,7 @@
           <p:cNvPr id="2" name="标题 1">
             <a:extLst>
               <a:ext uri="{FF2B5EF4-FFF2-40B4-BE49-F238E27FC236}">
-                <a16:creationId xmlns:a16="http://schemas.microsoft.com/office/drawing/2014/main" id="{9E003C61-3EC5-0821-F810-F9BE7E86D09E}"/>
+                <a16:creationId xmlns:a16="http://schemas.microsoft.com/office/drawing/2014/main" id="{225FD107-2890-33A7-9EA1-5B225ECC010D}"/>
               </a:ext>
             </a:extLst>
           </p:cNvPr>
@@ -990,7 +990,7 @@
           <p:cNvPr id="3" name="文本占位符 2">
             <a:extLst>
               <a:ext uri="{FF2B5EF4-FFF2-40B4-BE49-F238E27FC236}">
-                <a16:creationId xmlns:a16="http://schemas.microsoft.com/office/drawing/2014/main" id="{4C0DE6F9-453E-A8ED-3639-EFC0A5CFD084}"/>
+                <a16:creationId xmlns:a16="http://schemas.microsoft.com/office/drawing/2014/main" id="{8E5DC85C-9A1E-56AC-A4CF-A7E01E33149F}"/>
               </a:ext>
             </a:extLst>
           </p:cNvPr>
@@ -1115,7 +1115,7 @@
           <p:cNvPr id="4" name="日期占位符 3">
             <a:extLst>
               <a:ext uri="{FF2B5EF4-FFF2-40B4-BE49-F238E27FC236}">
-                <a16:creationId xmlns:a16="http://schemas.microsoft.com/office/drawing/2014/main" id="{68CE41C9-78DC-11A3-F4DC-79F063DC8B3B}"/>
+                <a16:creationId xmlns:a16="http://schemas.microsoft.com/office/drawing/2014/main" id="{30C98FA1-A680-9BCD-57DF-258DE3B97175}"/>
               </a:ext>
             </a:extLst>
           </p:cNvPr>
@@ -1131,7 +1131,7 @@
           <a:bodyPr/>
           <a:lstStyle/>
           <a:p>
-            <a:fld id="{04E7E170-7155-46D4-B889-9C41D3B3B03C}" type="datetimeFigureOut">
+            <a:fld id="{F4AAA24B-EBEA-42F3-B56D-B6B9BBB07F4F}" type="datetimeFigureOut">
               <a:rPr lang="zh-CN" altLang="en-US" smtClean="0"/>
               <a:t>2024/3/10</a:t>
             </a:fld>
@@ -1144,7 +1144,7 @@
           <p:cNvPr id="5" name="页脚占位符 4">
             <a:extLst>
               <a:ext uri="{FF2B5EF4-FFF2-40B4-BE49-F238E27FC236}">
-                <a16:creationId xmlns:a16="http://schemas.microsoft.com/office/drawing/2014/main" id="{D09E194B-E006-14A8-313C-31336DEB3FAF}"/>
+                <a16:creationId xmlns:a16="http://schemas.microsoft.com/office/drawing/2014/main" id="{58961A26-8757-2097-1089-85B629AC9D36}"/>
               </a:ext>
             </a:extLst>
           </p:cNvPr>
@@ -1169,7 +1169,7 @@
           <p:cNvPr id="6" name="灯片编号占位符 5">
             <a:extLst>
               <a:ext uri="{FF2B5EF4-FFF2-40B4-BE49-F238E27FC236}">
-                <a16:creationId xmlns:a16="http://schemas.microsoft.com/office/drawing/2014/main" id="{476E33F9-2522-360C-26FF-A2CA1A98D404}"/>
+                <a16:creationId xmlns:a16="http://schemas.microsoft.com/office/drawing/2014/main" id="{D2E3F1E2-4268-BA2B-065B-54617C5306F3}"/>
               </a:ext>
             </a:extLst>
           </p:cNvPr>
@@ -1185,7 +1185,7 @@
           <a:bodyPr/>
           <a:lstStyle/>
           <a:p>
-            <a:fld id="{7E04D3AE-D0EE-4BEC-B723-D3C2525BE820}" type="slidenum">
+            <a:fld id="{E8A6BDF5-42A4-400E-91E4-A4EED27D3FFF}" type="slidenum">
               <a:rPr lang="zh-CN" altLang="en-US" smtClean="0"/>
               <a:t>‹#›</a:t>
             </a:fld>
@@ -1196,7 +1196,7 @@
     </p:spTree>
     <p:extLst>
       <p:ext uri="{BB962C8B-B14F-4D97-AF65-F5344CB8AC3E}">
-        <p14:creationId xmlns:p14="http://schemas.microsoft.com/office/powerpoint/2010/main" val="3710528586"/>
+        <p14:creationId xmlns:p14="http://schemas.microsoft.com/office/powerpoint/2010/main" val="1197250606"/>
       </p:ext>
     </p:extLst>
   </p:cSld>
@@ -1228,7 +1228,7 @@
           <p:cNvPr id="2" name="标题 1">
             <a:extLst>
               <a:ext uri="{FF2B5EF4-FFF2-40B4-BE49-F238E27FC236}">
-                <a16:creationId xmlns:a16="http://schemas.microsoft.com/office/drawing/2014/main" id="{40A52BC0-D6B5-5A1D-2ED9-628A9265308B}"/>
+                <a16:creationId xmlns:a16="http://schemas.microsoft.com/office/drawing/2014/main" id="{0C50DDD6-3684-9FC5-B384-3133E0537BA1}"/>
               </a:ext>
             </a:extLst>
           </p:cNvPr>
@@ -1256,7 +1256,7 @@
           <p:cNvPr id="3" name="内容占位符 2">
             <a:extLst>
               <a:ext uri="{FF2B5EF4-FFF2-40B4-BE49-F238E27FC236}">
-                <a16:creationId xmlns:a16="http://schemas.microsoft.com/office/drawing/2014/main" id="{A2A46E3B-4C31-C322-2D0F-F7EDE5BA1F75}"/>
+                <a16:creationId xmlns:a16="http://schemas.microsoft.com/office/drawing/2014/main" id="{9915A56E-35D0-0F41-F034-DA7F24FB16B7}"/>
               </a:ext>
             </a:extLst>
           </p:cNvPr>
@@ -1318,7 +1318,7 @@
           <p:cNvPr id="4" name="内容占位符 3">
             <a:extLst>
               <a:ext uri="{FF2B5EF4-FFF2-40B4-BE49-F238E27FC236}">
-                <a16:creationId xmlns:a16="http://schemas.microsoft.com/office/drawing/2014/main" id="{2F60A707-33B4-6238-3C8F-D709A53871DA}"/>
+                <a16:creationId xmlns:a16="http://schemas.microsoft.com/office/drawing/2014/main" id="{696B86F3-D417-66C6-3A40-8EA4E4DD7EF3}"/>
               </a:ext>
             </a:extLst>
           </p:cNvPr>
@@ -1380,7 +1380,7 @@
           <p:cNvPr id="5" name="日期占位符 4">
             <a:extLst>
               <a:ext uri="{FF2B5EF4-FFF2-40B4-BE49-F238E27FC236}">
-                <a16:creationId xmlns:a16="http://schemas.microsoft.com/office/drawing/2014/main" id="{3959A882-965F-D328-32A8-89B9AA5A0E4E}"/>
+                <a16:creationId xmlns:a16="http://schemas.microsoft.com/office/drawing/2014/main" id="{34EB109F-A73B-3026-9883-09BDB22E4AF0}"/>
               </a:ext>
             </a:extLst>
           </p:cNvPr>
@@ -1396,7 +1396,7 @@
           <a:bodyPr/>
           <a:lstStyle/>
           <a:p>
-            <a:fld id="{04E7E170-7155-46D4-B889-9C41D3B3B03C}" type="datetimeFigureOut">
+            <a:fld id="{F4AAA24B-EBEA-42F3-B56D-B6B9BBB07F4F}" type="datetimeFigureOut">
               <a:rPr lang="zh-CN" altLang="en-US" smtClean="0"/>
               <a:t>2024/3/10</a:t>
             </a:fld>
@@ -1409,7 +1409,7 @@
           <p:cNvPr id="6" name="页脚占位符 5">
             <a:extLst>
               <a:ext uri="{FF2B5EF4-FFF2-40B4-BE49-F238E27FC236}">
-                <a16:creationId xmlns:a16="http://schemas.microsoft.com/office/drawing/2014/main" id="{2DA2ECAC-0C0D-D790-45AA-FF31D82BB4CC}"/>
+                <a16:creationId xmlns:a16="http://schemas.microsoft.com/office/drawing/2014/main" id="{084CD7A8-6894-D927-D6C1-14711F21F98E}"/>
               </a:ext>
             </a:extLst>
           </p:cNvPr>
@@ -1434,7 +1434,7 @@
           <p:cNvPr id="7" name="灯片编号占位符 6">
             <a:extLst>
               <a:ext uri="{FF2B5EF4-FFF2-40B4-BE49-F238E27FC236}">
-                <a16:creationId xmlns:a16="http://schemas.microsoft.com/office/drawing/2014/main" id="{16382EB4-47E8-DB46-AB5B-B8763F4873B1}"/>
+                <a16:creationId xmlns:a16="http://schemas.microsoft.com/office/drawing/2014/main" id="{166818D2-4FDD-4981-0ADF-5573DC2BF4FE}"/>
               </a:ext>
             </a:extLst>
           </p:cNvPr>
@@ -1450,7 +1450,7 @@
           <a:bodyPr/>
           <a:lstStyle/>
           <a:p>
-            <a:fld id="{7E04D3AE-D0EE-4BEC-B723-D3C2525BE820}" type="slidenum">
+            <a:fld id="{E8A6BDF5-42A4-400E-91E4-A4EED27D3FFF}" type="slidenum">
               <a:rPr lang="zh-CN" altLang="en-US" smtClean="0"/>
               <a:t>‹#›</a:t>
             </a:fld>
@@ -1461,7 +1461,7 @@
     </p:spTree>
     <p:extLst>
       <p:ext uri="{BB962C8B-B14F-4D97-AF65-F5344CB8AC3E}">
-        <p14:creationId xmlns:p14="http://schemas.microsoft.com/office/powerpoint/2010/main" val="800105562"/>
+        <p14:creationId xmlns:p14="http://schemas.microsoft.com/office/powerpoint/2010/main" val="1497149341"/>
       </p:ext>
     </p:extLst>
   </p:cSld>
@@ -1493,7 +1493,7 @@
           <p:cNvPr id="2" name="标题 1">
             <a:extLst>
               <a:ext uri="{FF2B5EF4-FFF2-40B4-BE49-F238E27FC236}">
-                <a16:creationId xmlns:a16="http://schemas.microsoft.com/office/drawing/2014/main" id="{48FE93ED-F36E-1C61-F3C5-CA9FC9AE349E}"/>
+                <a16:creationId xmlns:a16="http://schemas.microsoft.com/office/drawing/2014/main" id="{265F4D67-CC19-D735-B1DA-DBE5731E971F}"/>
               </a:ext>
             </a:extLst>
           </p:cNvPr>
@@ -1526,7 +1526,7 @@
           <p:cNvPr id="3" name="文本占位符 2">
             <a:extLst>
               <a:ext uri="{FF2B5EF4-FFF2-40B4-BE49-F238E27FC236}">
-                <a16:creationId xmlns:a16="http://schemas.microsoft.com/office/drawing/2014/main" id="{B99E18B3-0D28-B949-0864-17B31E063372}"/>
+                <a16:creationId xmlns:a16="http://schemas.microsoft.com/office/drawing/2014/main" id="{CC80090C-9A40-C6A5-68F8-3DAEF9AF1A59}"/>
               </a:ext>
             </a:extLst>
           </p:cNvPr>
@@ -1597,7 +1597,7 @@
           <p:cNvPr id="4" name="内容占位符 3">
             <a:extLst>
               <a:ext uri="{FF2B5EF4-FFF2-40B4-BE49-F238E27FC236}">
-                <a16:creationId xmlns:a16="http://schemas.microsoft.com/office/drawing/2014/main" id="{0F3DE232-9BEB-FAC3-E30C-FBBA13855820}"/>
+                <a16:creationId xmlns:a16="http://schemas.microsoft.com/office/drawing/2014/main" id="{6B3FA21C-7695-E9E4-1F2D-170E6B60AAAB}"/>
               </a:ext>
             </a:extLst>
           </p:cNvPr>
@@ -1659,7 +1659,7 @@
           <p:cNvPr id="5" name="文本占位符 4">
             <a:extLst>
               <a:ext uri="{FF2B5EF4-FFF2-40B4-BE49-F238E27FC236}">
-                <a16:creationId xmlns:a16="http://schemas.microsoft.com/office/drawing/2014/main" id="{C37FA48A-0971-CF5A-4C3E-826998C39B83}"/>
+                <a16:creationId xmlns:a16="http://schemas.microsoft.com/office/drawing/2014/main" id="{2539D583-5EE8-E632-64BB-0FC36E0CAFF9}"/>
               </a:ext>
             </a:extLst>
           </p:cNvPr>
@@ -1730,7 +1730,7 @@
           <p:cNvPr id="6" name="内容占位符 5">
             <a:extLst>
               <a:ext uri="{FF2B5EF4-FFF2-40B4-BE49-F238E27FC236}">
-                <a16:creationId xmlns:a16="http://schemas.microsoft.com/office/drawing/2014/main" id="{096B610F-AF94-3435-6B93-93E5991BDF36}"/>
+                <a16:creationId xmlns:a16="http://schemas.microsoft.com/office/drawing/2014/main" id="{C141F6F0-313B-20C8-54A7-6EB4C873046B}"/>
               </a:ext>
             </a:extLst>
           </p:cNvPr>
@@ -1792,7 +1792,7 @@
           <p:cNvPr id="7" name="日期占位符 6">
             <a:extLst>
               <a:ext uri="{FF2B5EF4-FFF2-40B4-BE49-F238E27FC236}">
-                <a16:creationId xmlns:a16="http://schemas.microsoft.com/office/drawing/2014/main" id="{FB5E0ED7-CADC-F2FE-5436-1CBC06129D8D}"/>
+                <a16:creationId xmlns:a16="http://schemas.microsoft.com/office/drawing/2014/main" id="{E5D71EF7-2E84-8483-7EDB-8194FF116AE3}"/>
               </a:ext>
             </a:extLst>
           </p:cNvPr>
@@ -1808,7 +1808,7 @@
           <a:bodyPr/>
           <a:lstStyle/>
           <a:p>
-            <a:fld id="{04E7E170-7155-46D4-B889-9C41D3B3B03C}" type="datetimeFigureOut">
+            <a:fld id="{F4AAA24B-EBEA-42F3-B56D-B6B9BBB07F4F}" type="datetimeFigureOut">
               <a:rPr lang="zh-CN" altLang="en-US" smtClean="0"/>
               <a:t>2024/3/10</a:t>
             </a:fld>
@@ -1821,7 +1821,7 @@
           <p:cNvPr id="8" name="页脚占位符 7">
             <a:extLst>
               <a:ext uri="{FF2B5EF4-FFF2-40B4-BE49-F238E27FC236}">
-                <a16:creationId xmlns:a16="http://schemas.microsoft.com/office/drawing/2014/main" id="{2CEFC8FA-FFAE-B725-C6DB-38A906EE94F8}"/>
+                <a16:creationId xmlns:a16="http://schemas.microsoft.com/office/drawing/2014/main" id="{8F6965B4-92BB-4CC5-6C63-EEC3499334A7}"/>
               </a:ext>
             </a:extLst>
           </p:cNvPr>
@@ -1846,7 +1846,7 @@
           <p:cNvPr id="9" name="灯片编号占位符 8">
             <a:extLst>
               <a:ext uri="{FF2B5EF4-FFF2-40B4-BE49-F238E27FC236}">
-                <a16:creationId xmlns:a16="http://schemas.microsoft.com/office/drawing/2014/main" id="{4435D368-6AE1-4614-F5AC-D92BD3EB5879}"/>
+                <a16:creationId xmlns:a16="http://schemas.microsoft.com/office/drawing/2014/main" id="{17213D31-30E2-23A0-6C6B-597623186872}"/>
               </a:ext>
             </a:extLst>
           </p:cNvPr>
@@ -1862,7 +1862,7 @@
           <a:bodyPr/>
           <a:lstStyle/>
           <a:p>
-            <a:fld id="{7E04D3AE-D0EE-4BEC-B723-D3C2525BE820}" type="slidenum">
+            <a:fld id="{E8A6BDF5-42A4-400E-91E4-A4EED27D3FFF}" type="slidenum">
               <a:rPr lang="zh-CN" altLang="en-US" smtClean="0"/>
               <a:t>‹#›</a:t>
             </a:fld>
@@ -1873,7 +1873,7 @@
     </p:spTree>
     <p:extLst>
       <p:ext uri="{BB962C8B-B14F-4D97-AF65-F5344CB8AC3E}">
-        <p14:creationId xmlns:p14="http://schemas.microsoft.com/office/powerpoint/2010/main" val="362204751"/>
+        <p14:creationId xmlns:p14="http://schemas.microsoft.com/office/powerpoint/2010/main" val="263712572"/>
       </p:ext>
     </p:extLst>
   </p:cSld>
@@ -1905,7 +1905,7 @@
           <p:cNvPr id="2" name="标题 1">
             <a:extLst>
               <a:ext uri="{FF2B5EF4-FFF2-40B4-BE49-F238E27FC236}">
-                <a16:creationId xmlns:a16="http://schemas.microsoft.com/office/drawing/2014/main" id="{DD80BFA9-B515-B5F1-661D-D85F1673BB51}"/>
+                <a16:creationId xmlns:a16="http://schemas.microsoft.com/office/drawing/2014/main" id="{909278D8-6209-F3D2-9270-C381A53883FC}"/>
               </a:ext>
             </a:extLst>
           </p:cNvPr>
@@ -1933,7 +1933,7 @@
           <p:cNvPr id="3" name="日期占位符 2">
             <a:extLst>
               <a:ext uri="{FF2B5EF4-FFF2-40B4-BE49-F238E27FC236}">
-                <a16:creationId xmlns:a16="http://schemas.microsoft.com/office/drawing/2014/main" id="{4396BE52-CA09-B7FB-A923-E717EFD8DEF3}"/>
+                <a16:creationId xmlns:a16="http://schemas.microsoft.com/office/drawing/2014/main" id="{2FB93A5E-912C-5692-38D3-C3A81F2ECE2F}"/>
               </a:ext>
             </a:extLst>
           </p:cNvPr>
@@ -1949,7 +1949,7 @@
           <a:bodyPr/>
           <a:lstStyle/>
           <a:p>
-            <a:fld id="{04E7E170-7155-46D4-B889-9C41D3B3B03C}" type="datetimeFigureOut">
+            <a:fld id="{F4AAA24B-EBEA-42F3-B56D-B6B9BBB07F4F}" type="datetimeFigureOut">
               <a:rPr lang="zh-CN" altLang="en-US" smtClean="0"/>
               <a:t>2024/3/10</a:t>
             </a:fld>
@@ -1962,7 +1962,7 @@
           <p:cNvPr id="4" name="页脚占位符 3">
             <a:extLst>
               <a:ext uri="{FF2B5EF4-FFF2-40B4-BE49-F238E27FC236}">
-                <a16:creationId xmlns:a16="http://schemas.microsoft.com/office/drawing/2014/main" id="{9258DF4D-C792-3737-99C7-730DA64F93B1}"/>
+                <a16:creationId xmlns:a16="http://schemas.microsoft.com/office/drawing/2014/main" id="{A611D7E5-1B34-06B7-EA4D-C733AAFB8AE1}"/>
               </a:ext>
             </a:extLst>
           </p:cNvPr>
@@ -1987,7 +1987,7 @@
           <p:cNvPr id="5" name="灯片编号占位符 4">
             <a:extLst>
               <a:ext uri="{FF2B5EF4-FFF2-40B4-BE49-F238E27FC236}">
-                <a16:creationId xmlns:a16="http://schemas.microsoft.com/office/drawing/2014/main" id="{B338365E-EBAF-D94C-9FC8-F88CC85C6769}"/>
+                <a16:creationId xmlns:a16="http://schemas.microsoft.com/office/drawing/2014/main" id="{EA7C8A9F-2ED1-B6F0-0299-041B1BB62778}"/>
               </a:ext>
             </a:extLst>
           </p:cNvPr>
@@ -2003,7 +2003,7 @@
           <a:bodyPr/>
           <a:lstStyle/>
           <a:p>
-            <a:fld id="{7E04D3AE-D0EE-4BEC-B723-D3C2525BE820}" type="slidenum">
+            <a:fld id="{E8A6BDF5-42A4-400E-91E4-A4EED27D3FFF}" type="slidenum">
               <a:rPr lang="zh-CN" altLang="en-US" smtClean="0"/>
               <a:t>‹#›</a:t>
             </a:fld>
@@ -2014,7 +2014,7 @@
     </p:spTree>
     <p:extLst>
       <p:ext uri="{BB962C8B-B14F-4D97-AF65-F5344CB8AC3E}">
-        <p14:creationId xmlns:p14="http://schemas.microsoft.com/office/powerpoint/2010/main" val="70488279"/>
+        <p14:creationId xmlns:p14="http://schemas.microsoft.com/office/powerpoint/2010/main" val="1971409429"/>
       </p:ext>
     </p:extLst>
   </p:cSld>
@@ -2046,7 +2046,7 @@
           <p:cNvPr id="2" name="日期占位符 1">
             <a:extLst>
               <a:ext uri="{FF2B5EF4-FFF2-40B4-BE49-F238E27FC236}">
-                <a16:creationId xmlns:a16="http://schemas.microsoft.com/office/drawing/2014/main" id="{60ADD973-C167-6CBE-105F-24053103E072}"/>
+                <a16:creationId xmlns:a16="http://schemas.microsoft.com/office/drawing/2014/main" id="{244B8616-96AC-CA12-F6C4-DD7E57FFCAC7}"/>
               </a:ext>
             </a:extLst>
           </p:cNvPr>
@@ -2062,7 +2062,7 @@
           <a:bodyPr/>
           <a:lstStyle/>
           <a:p>
-            <a:fld id="{04E7E170-7155-46D4-B889-9C41D3B3B03C}" type="datetimeFigureOut">
+            <a:fld id="{F4AAA24B-EBEA-42F3-B56D-B6B9BBB07F4F}" type="datetimeFigureOut">
               <a:rPr lang="zh-CN" altLang="en-US" smtClean="0"/>
               <a:t>2024/3/10</a:t>
             </a:fld>
@@ -2075,7 +2075,7 @@
           <p:cNvPr id="3" name="页脚占位符 2">
             <a:extLst>
               <a:ext uri="{FF2B5EF4-FFF2-40B4-BE49-F238E27FC236}">
-                <a16:creationId xmlns:a16="http://schemas.microsoft.com/office/drawing/2014/main" id="{D301F36D-5F65-684E-DD1A-49B649192402}"/>
+                <a16:creationId xmlns:a16="http://schemas.microsoft.com/office/drawing/2014/main" id="{68557513-EB4E-6166-CBF0-3C1CB706AEEB}"/>
               </a:ext>
             </a:extLst>
           </p:cNvPr>
@@ -2100,7 +2100,7 @@
           <p:cNvPr id="4" name="灯片编号占位符 3">
             <a:extLst>
               <a:ext uri="{FF2B5EF4-FFF2-40B4-BE49-F238E27FC236}">
-                <a16:creationId xmlns:a16="http://schemas.microsoft.com/office/drawing/2014/main" id="{39EA76FF-F03C-C044-062F-14899AD47560}"/>
+                <a16:creationId xmlns:a16="http://schemas.microsoft.com/office/drawing/2014/main" id="{4EDCB842-2CCC-345D-E09F-12A9355890F1}"/>
               </a:ext>
             </a:extLst>
           </p:cNvPr>
@@ -2116,7 +2116,7 @@
           <a:bodyPr/>
           <a:lstStyle/>
           <a:p>
-            <a:fld id="{7E04D3AE-D0EE-4BEC-B723-D3C2525BE820}" type="slidenum">
+            <a:fld id="{E8A6BDF5-42A4-400E-91E4-A4EED27D3FFF}" type="slidenum">
               <a:rPr lang="zh-CN" altLang="en-US" smtClean="0"/>
               <a:t>‹#›</a:t>
             </a:fld>
@@ -2127,7 +2127,7 @@
     </p:spTree>
     <p:extLst>
       <p:ext uri="{BB962C8B-B14F-4D97-AF65-F5344CB8AC3E}">
-        <p14:creationId xmlns:p14="http://schemas.microsoft.com/office/powerpoint/2010/main" val="568883965"/>
+        <p14:creationId xmlns:p14="http://schemas.microsoft.com/office/powerpoint/2010/main" val="3620454003"/>
       </p:ext>
     </p:extLst>
   </p:cSld>
@@ -2159,7 +2159,7 @@
           <p:cNvPr id="2" name="标题 1">
             <a:extLst>
               <a:ext uri="{FF2B5EF4-FFF2-40B4-BE49-F238E27FC236}">
-                <a16:creationId xmlns:a16="http://schemas.microsoft.com/office/drawing/2014/main" id="{64FC0BD0-E8DB-9989-7A05-9C62E5AD0498}"/>
+                <a16:creationId xmlns:a16="http://schemas.microsoft.com/office/drawing/2014/main" id="{8682C050-1686-688F-8814-C027FCF43247}"/>
               </a:ext>
             </a:extLst>
           </p:cNvPr>
@@ -2196,7 +2196,7 @@
           <p:cNvPr id="3" name="内容占位符 2">
             <a:extLst>
               <a:ext uri="{FF2B5EF4-FFF2-40B4-BE49-F238E27FC236}">
-                <a16:creationId xmlns:a16="http://schemas.microsoft.com/office/drawing/2014/main" id="{F064379C-B2C3-1D5D-C04C-8043736A8D8E}"/>
+                <a16:creationId xmlns:a16="http://schemas.microsoft.com/office/drawing/2014/main" id="{2BD409EC-CE6D-F210-A57F-E8839EA6C1AA}"/>
               </a:ext>
             </a:extLst>
           </p:cNvPr>
@@ -2286,7 +2286,7 @@
           <p:cNvPr id="4" name="文本占位符 3">
             <a:extLst>
               <a:ext uri="{FF2B5EF4-FFF2-40B4-BE49-F238E27FC236}">
-                <a16:creationId xmlns:a16="http://schemas.microsoft.com/office/drawing/2014/main" id="{C6FFDC89-F4D4-CFCA-B2DC-31D6B55314EE}"/>
+                <a16:creationId xmlns:a16="http://schemas.microsoft.com/office/drawing/2014/main" id="{91F87DB2-0F69-EBBE-A0FB-EFE5BAD9B2F4}"/>
               </a:ext>
             </a:extLst>
           </p:cNvPr>
@@ -2357,7 +2357,7 @@
           <p:cNvPr id="5" name="日期占位符 4">
             <a:extLst>
               <a:ext uri="{FF2B5EF4-FFF2-40B4-BE49-F238E27FC236}">
-                <a16:creationId xmlns:a16="http://schemas.microsoft.com/office/drawing/2014/main" id="{3BF05048-8B38-7958-6DB1-F335B789428F}"/>
+                <a16:creationId xmlns:a16="http://schemas.microsoft.com/office/drawing/2014/main" id="{2459F1BC-A247-35B0-43AB-D40C644CC48C}"/>
               </a:ext>
             </a:extLst>
           </p:cNvPr>
@@ -2373,7 +2373,7 @@
           <a:bodyPr/>
           <a:lstStyle/>
           <a:p>
-            <a:fld id="{04E7E170-7155-46D4-B889-9C41D3B3B03C}" type="datetimeFigureOut">
+            <a:fld id="{F4AAA24B-EBEA-42F3-B56D-B6B9BBB07F4F}" type="datetimeFigureOut">
               <a:rPr lang="zh-CN" altLang="en-US" smtClean="0"/>
               <a:t>2024/3/10</a:t>
             </a:fld>
@@ -2386,7 +2386,7 @@
           <p:cNvPr id="6" name="页脚占位符 5">
             <a:extLst>
               <a:ext uri="{FF2B5EF4-FFF2-40B4-BE49-F238E27FC236}">
-                <a16:creationId xmlns:a16="http://schemas.microsoft.com/office/drawing/2014/main" id="{1EFC34D9-61E3-4DEF-26E6-CA00A18127C5}"/>
+                <a16:creationId xmlns:a16="http://schemas.microsoft.com/office/drawing/2014/main" id="{018A5675-6E01-B90E-8831-BF70389D7EBB}"/>
               </a:ext>
             </a:extLst>
           </p:cNvPr>
@@ -2411,7 +2411,7 @@
           <p:cNvPr id="7" name="灯片编号占位符 6">
             <a:extLst>
               <a:ext uri="{FF2B5EF4-FFF2-40B4-BE49-F238E27FC236}">
-                <a16:creationId xmlns:a16="http://schemas.microsoft.com/office/drawing/2014/main" id="{6637FEFA-B9BB-C594-0542-905EFB0B2D49}"/>
+                <a16:creationId xmlns:a16="http://schemas.microsoft.com/office/drawing/2014/main" id="{B65FF250-D195-B74F-57DC-DDB5C604AC45}"/>
               </a:ext>
             </a:extLst>
           </p:cNvPr>
@@ -2427,7 +2427,7 @@
           <a:bodyPr/>
           <a:lstStyle/>
           <a:p>
-            <a:fld id="{7E04D3AE-D0EE-4BEC-B723-D3C2525BE820}" type="slidenum">
+            <a:fld id="{E8A6BDF5-42A4-400E-91E4-A4EED27D3FFF}" type="slidenum">
               <a:rPr lang="zh-CN" altLang="en-US" smtClean="0"/>
               <a:t>‹#›</a:t>
             </a:fld>
@@ -2438,7 +2438,7 @@
     </p:spTree>
     <p:extLst>
       <p:ext uri="{BB962C8B-B14F-4D97-AF65-F5344CB8AC3E}">
-        <p14:creationId xmlns:p14="http://schemas.microsoft.com/office/powerpoint/2010/main" val="3701846167"/>
+        <p14:creationId xmlns:p14="http://schemas.microsoft.com/office/powerpoint/2010/main" val="4006534180"/>
       </p:ext>
     </p:extLst>
   </p:cSld>
@@ -2470,7 +2470,7 @@
           <p:cNvPr id="2" name="标题 1">
             <a:extLst>
               <a:ext uri="{FF2B5EF4-FFF2-40B4-BE49-F238E27FC236}">
-                <a16:creationId xmlns:a16="http://schemas.microsoft.com/office/drawing/2014/main" id="{FE40BB63-39C9-9A17-60B7-6FFAEC1629CF}"/>
+                <a16:creationId xmlns:a16="http://schemas.microsoft.com/office/drawing/2014/main" id="{96D0F2EA-6C0A-827B-F7BF-2B5FE7F2B444}"/>
               </a:ext>
             </a:extLst>
           </p:cNvPr>
@@ -2507,7 +2507,7 @@
           <p:cNvPr id="3" name="图片占位符 2">
             <a:extLst>
               <a:ext uri="{FF2B5EF4-FFF2-40B4-BE49-F238E27FC236}">
-                <a16:creationId xmlns:a16="http://schemas.microsoft.com/office/drawing/2014/main" id="{759FC560-BEAD-E31F-BE2F-5B7E4533C4E2}"/>
+                <a16:creationId xmlns:a16="http://schemas.microsoft.com/office/drawing/2014/main" id="{87F7F991-62A4-B619-2F18-C2E655CC07EB}"/>
               </a:ext>
             </a:extLst>
           </p:cNvPr>
@@ -2574,7 +2574,7 @@
           <p:cNvPr id="4" name="文本占位符 3">
             <a:extLst>
               <a:ext uri="{FF2B5EF4-FFF2-40B4-BE49-F238E27FC236}">
-                <a16:creationId xmlns:a16="http://schemas.microsoft.com/office/drawing/2014/main" id="{C4BD2DAC-4E7A-011B-CA7C-25138E4DCB1D}"/>
+                <a16:creationId xmlns:a16="http://schemas.microsoft.com/office/drawing/2014/main" id="{0C184CF7-F487-B3F7-077A-96664B5D602B}"/>
               </a:ext>
             </a:extLst>
           </p:cNvPr>
@@ -2645,7 +2645,7 @@
           <p:cNvPr id="5" name="日期占位符 4">
             <a:extLst>
               <a:ext uri="{FF2B5EF4-FFF2-40B4-BE49-F238E27FC236}">
-                <a16:creationId xmlns:a16="http://schemas.microsoft.com/office/drawing/2014/main" id="{20BAD577-1A69-577A-04FE-145F471C9949}"/>
+                <a16:creationId xmlns:a16="http://schemas.microsoft.com/office/drawing/2014/main" id="{FE4F28ED-FB7E-AEED-218F-BD7C0E090B22}"/>
               </a:ext>
             </a:extLst>
           </p:cNvPr>
@@ -2661,7 +2661,7 @@
           <a:bodyPr/>
           <a:lstStyle/>
           <a:p>
-            <a:fld id="{04E7E170-7155-46D4-B889-9C41D3B3B03C}" type="datetimeFigureOut">
+            <a:fld id="{F4AAA24B-EBEA-42F3-B56D-B6B9BBB07F4F}" type="datetimeFigureOut">
               <a:rPr lang="zh-CN" altLang="en-US" smtClean="0"/>
               <a:t>2024/3/10</a:t>
             </a:fld>
@@ -2674,7 +2674,7 @@
           <p:cNvPr id="6" name="页脚占位符 5">
             <a:extLst>
               <a:ext uri="{FF2B5EF4-FFF2-40B4-BE49-F238E27FC236}">
-                <a16:creationId xmlns:a16="http://schemas.microsoft.com/office/drawing/2014/main" id="{FDF17C61-5647-3B1B-CA14-4B2D45B5E274}"/>
+                <a16:creationId xmlns:a16="http://schemas.microsoft.com/office/drawing/2014/main" id="{28577944-4DBC-BC99-A059-5C04EA12058F}"/>
               </a:ext>
             </a:extLst>
           </p:cNvPr>
@@ -2699,7 +2699,7 @@
           <p:cNvPr id="7" name="灯片编号占位符 6">
             <a:extLst>
               <a:ext uri="{FF2B5EF4-FFF2-40B4-BE49-F238E27FC236}">
-                <a16:creationId xmlns:a16="http://schemas.microsoft.com/office/drawing/2014/main" id="{3D03B4DE-DB66-1E1C-079D-1D97DF7749D4}"/>
+                <a16:creationId xmlns:a16="http://schemas.microsoft.com/office/drawing/2014/main" id="{E3E12F80-313E-F9A0-1802-A4E6647A4FBE}"/>
               </a:ext>
             </a:extLst>
           </p:cNvPr>
@@ -2715,7 +2715,7 @@
           <a:bodyPr/>
           <a:lstStyle/>
           <a:p>
-            <a:fld id="{7E04D3AE-D0EE-4BEC-B723-D3C2525BE820}" type="slidenum">
+            <a:fld id="{E8A6BDF5-42A4-400E-91E4-A4EED27D3FFF}" type="slidenum">
               <a:rPr lang="zh-CN" altLang="en-US" smtClean="0"/>
               <a:t>‹#›</a:t>
             </a:fld>
@@ -2726,7 +2726,7 @@
     </p:spTree>
     <p:extLst>
       <p:ext uri="{BB962C8B-B14F-4D97-AF65-F5344CB8AC3E}">
-        <p14:creationId xmlns:p14="http://schemas.microsoft.com/office/powerpoint/2010/main" val="3017071498"/>
+        <p14:creationId xmlns:p14="http://schemas.microsoft.com/office/powerpoint/2010/main" val="863172639"/>
       </p:ext>
     </p:extLst>
   </p:cSld>
@@ -2763,7 +2763,7 @@
           <p:cNvPr id="2" name="标题占位符 1">
             <a:extLst>
               <a:ext uri="{FF2B5EF4-FFF2-40B4-BE49-F238E27FC236}">
-                <a16:creationId xmlns:a16="http://schemas.microsoft.com/office/drawing/2014/main" id="{A3A62195-3EE9-F9B4-2545-71A889DA3EFB}"/>
+                <a16:creationId xmlns:a16="http://schemas.microsoft.com/office/drawing/2014/main" id="{E8A23082-9B8E-468F-EBA7-AB593EF1359B}"/>
               </a:ext>
             </a:extLst>
           </p:cNvPr>
@@ -2801,7 +2801,7 @@
           <p:cNvPr id="3" name="文本占位符 2">
             <a:extLst>
               <a:ext uri="{FF2B5EF4-FFF2-40B4-BE49-F238E27FC236}">
-                <a16:creationId xmlns:a16="http://schemas.microsoft.com/office/drawing/2014/main" id="{2391218F-7549-A3E7-710F-734E835FCEC4}"/>
+                <a16:creationId xmlns:a16="http://schemas.microsoft.com/office/drawing/2014/main" id="{9E82E25F-61B0-3899-F1C4-5AC4204BB57B}"/>
               </a:ext>
             </a:extLst>
           </p:cNvPr>
@@ -2868,7 +2868,7 @@
           <p:cNvPr id="4" name="日期占位符 3">
             <a:extLst>
               <a:ext uri="{FF2B5EF4-FFF2-40B4-BE49-F238E27FC236}">
-                <a16:creationId xmlns:a16="http://schemas.microsoft.com/office/drawing/2014/main" id="{4ED61135-471B-9F61-6881-099EFD29E413}"/>
+                <a16:creationId xmlns:a16="http://schemas.microsoft.com/office/drawing/2014/main" id="{3192C962-891D-3562-6C96-B50ECD13F6F0}"/>
               </a:ext>
             </a:extLst>
           </p:cNvPr>
@@ -2902,7 +2902,7 @@
             </a:lvl1pPr>
           </a:lstStyle>
           <a:p>
-            <a:fld id="{04E7E170-7155-46D4-B889-9C41D3B3B03C}" type="datetimeFigureOut">
+            <a:fld id="{F4AAA24B-EBEA-42F3-B56D-B6B9BBB07F4F}" type="datetimeFigureOut">
               <a:rPr lang="zh-CN" altLang="en-US" smtClean="0"/>
               <a:t>2024/3/10</a:t>
             </a:fld>
@@ -2915,7 +2915,7 @@
           <p:cNvPr id="5" name="页脚占位符 4">
             <a:extLst>
               <a:ext uri="{FF2B5EF4-FFF2-40B4-BE49-F238E27FC236}">
-                <a16:creationId xmlns:a16="http://schemas.microsoft.com/office/drawing/2014/main" id="{1FA66D25-6663-12FD-416C-00F43005441D}"/>
+                <a16:creationId xmlns:a16="http://schemas.microsoft.com/office/drawing/2014/main" id="{3E7CA9F3-5941-F91B-5B86-632CEE34566A}"/>
               </a:ext>
             </a:extLst>
           </p:cNvPr>
@@ -2958,7 +2958,7 @@
           <p:cNvPr id="6" name="灯片编号占位符 5">
             <a:extLst>
               <a:ext uri="{FF2B5EF4-FFF2-40B4-BE49-F238E27FC236}">
-                <a16:creationId xmlns:a16="http://schemas.microsoft.com/office/drawing/2014/main" id="{333C20F7-874E-BB20-D6C7-0C255772E585}"/>
+                <a16:creationId xmlns:a16="http://schemas.microsoft.com/office/drawing/2014/main" id="{A1BEE0C3-4C55-8BAD-B26C-03392007A980}"/>
               </a:ext>
             </a:extLst>
           </p:cNvPr>
@@ -2992,7 +2992,7 @@
             </a:lvl1pPr>
           </a:lstStyle>
           <a:p>
-            <a:fld id="{7E04D3AE-D0EE-4BEC-B723-D3C2525BE820}" type="slidenum">
+            <a:fld id="{E8A6BDF5-42A4-400E-91E4-A4EED27D3FFF}" type="slidenum">
               <a:rPr lang="zh-CN" altLang="en-US" smtClean="0"/>
               <a:t>‹#›</a:t>
             </a:fld>
@@ -3003,7 +3003,7 @@
     </p:spTree>
     <p:extLst>
       <p:ext uri="{BB962C8B-B14F-4D97-AF65-F5344CB8AC3E}">
-        <p14:creationId xmlns:p14="http://schemas.microsoft.com/office/powerpoint/2010/main" val="2361426555"/>
+        <p14:creationId xmlns:p14="http://schemas.microsoft.com/office/powerpoint/2010/main" val="2338302763"/>
       </p:ext>
     </p:extLst>
   </p:cSld>
